--- a/Memoria/05_control_architecture/Imagenes/diagrama_int.pptx
+++ b/Memoria/05_control_architecture/Imagenes/diagrama_int.pptx
@@ -243,7 +243,7 @@
           <a:p>
             <a:fld id="{C96D9F6B-06F8-3E40-B772-B8FC9437ACFA}" type="datetimeFigureOut">
               <a:rPr lang="es-ES" smtClean="0"/>
-              <a:t>21/3/16</a:t>
+              <a:t>20/4/16</a:t>
             </a:fld>
             <a:endParaRPr lang="es-ES"/>
           </a:p>
@@ -413,7 +413,7 @@
           <a:p>
             <a:fld id="{C96D9F6B-06F8-3E40-B772-B8FC9437ACFA}" type="datetimeFigureOut">
               <a:rPr lang="es-ES" smtClean="0"/>
-              <a:t>21/3/16</a:t>
+              <a:t>20/4/16</a:t>
             </a:fld>
             <a:endParaRPr lang="es-ES"/>
           </a:p>
@@ -593,7 +593,7 @@
           <a:p>
             <a:fld id="{C96D9F6B-06F8-3E40-B772-B8FC9437ACFA}" type="datetimeFigureOut">
               <a:rPr lang="es-ES" smtClean="0"/>
-              <a:t>21/3/16</a:t>
+              <a:t>20/4/16</a:t>
             </a:fld>
             <a:endParaRPr lang="es-ES"/>
           </a:p>
@@ -763,7 +763,7 @@
           <a:p>
             <a:fld id="{C96D9F6B-06F8-3E40-B772-B8FC9437ACFA}" type="datetimeFigureOut">
               <a:rPr lang="es-ES" smtClean="0"/>
-              <a:t>21/3/16</a:t>
+              <a:t>20/4/16</a:t>
             </a:fld>
             <a:endParaRPr lang="es-ES"/>
           </a:p>
@@ -1009,7 +1009,7 @@
           <a:p>
             <a:fld id="{C96D9F6B-06F8-3E40-B772-B8FC9437ACFA}" type="datetimeFigureOut">
               <a:rPr lang="es-ES" smtClean="0"/>
-              <a:t>21/3/16</a:t>
+              <a:t>20/4/16</a:t>
             </a:fld>
             <a:endParaRPr lang="es-ES"/>
           </a:p>
@@ -1241,7 +1241,7 @@
           <a:p>
             <a:fld id="{C96D9F6B-06F8-3E40-B772-B8FC9437ACFA}" type="datetimeFigureOut">
               <a:rPr lang="es-ES" smtClean="0"/>
-              <a:t>21/3/16</a:t>
+              <a:t>20/4/16</a:t>
             </a:fld>
             <a:endParaRPr lang="es-ES"/>
           </a:p>
@@ -1608,7 +1608,7 @@
           <a:p>
             <a:fld id="{C96D9F6B-06F8-3E40-B772-B8FC9437ACFA}" type="datetimeFigureOut">
               <a:rPr lang="es-ES" smtClean="0"/>
-              <a:t>21/3/16</a:t>
+              <a:t>20/4/16</a:t>
             </a:fld>
             <a:endParaRPr lang="es-ES"/>
           </a:p>
@@ -1726,7 +1726,7 @@
           <a:p>
             <a:fld id="{C96D9F6B-06F8-3E40-B772-B8FC9437ACFA}" type="datetimeFigureOut">
               <a:rPr lang="es-ES" smtClean="0"/>
-              <a:t>21/3/16</a:t>
+              <a:t>20/4/16</a:t>
             </a:fld>
             <a:endParaRPr lang="es-ES"/>
           </a:p>
@@ -1821,7 +1821,7 @@
           <a:p>
             <a:fld id="{C96D9F6B-06F8-3E40-B772-B8FC9437ACFA}" type="datetimeFigureOut">
               <a:rPr lang="es-ES" smtClean="0"/>
-              <a:t>21/3/16</a:t>
+              <a:t>20/4/16</a:t>
             </a:fld>
             <a:endParaRPr lang="es-ES"/>
           </a:p>
@@ -2098,7 +2098,7 @@
           <a:p>
             <a:fld id="{C96D9F6B-06F8-3E40-B772-B8FC9437ACFA}" type="datetimeFigureOut">
               <a:rPr lang="es-ES" smtClean="0"/>
-              <a:t>21/3/16</a:t>
+              <a:t>20/4/16</a:t>
             </a:fld>
             <a:endParaRPr lang="es-ES"/>
           </a:p>
@@ -2355,7 +2355,7 @@
           <a:p>
             <a:fld id="{C96D9F6B-06F8-3E40-B772-B8FC9437ACFA}" type="datetimeFigureOut">
               <a:rPr lang="es-ES" smtClean="0"/>
-              <a:t>21/3/16</a:t>
+              <a:t>20/4/16</a:t>
             </a:fld>
             <a:endParaRPr lang="es-ES"/>
           </a:p>
@@ -2568,7 +2568,7 @@
           <a:p>
             <a:fld id="{C96D9F6B-06F8-3E40-B772-B8FC9437ACFA}" type="datetimeFigureOut">
               <a:rPr lang="es-ES" smtClean="0"/>
-              <a:t>21/3/16</a:t>
+              <a:t>20/4/16</a:t>
             </a:fld>
             <a:endParaRPr lang="es-ES"/>
           </a:p>
@@ -4950,8 +4950,8 @@
             </a:fontRef>
           </p:style>
         </p:cxnSp>
-        <mc:AlternateContent xmlns:mc="http://schemas.openxmlformats.org/markup-compatibility/2006">
-          <mc:Choice xmlns:a14="http://schemas.microsoft.com/office/drawing/2010/main" Requires="a14">
+        <mc:AlternateContent xmlns:mc="http://schemas.openxmlformats.org/markup-compatibility/2006" xmlns:a14="http://schemas.microsoft.com/office/drawing/2010/main">
+          <mc:Choice Requires="a14">
             <p:sp>
               <p:nvSpPr>
                 <p:cNvPr id="80" name="Rectángulo 79"/>
@@ -5062,7 +5062,7 @@
               </p:txBody>
             </p:sp>
           </mc:Choice>
-          <mc:Fallback>
+          <mc:Fallback xmlns="">
             <p:sp>
               <p:nvSpPr>
                 <p:cNvPr id="80" name="Rectángulo 79"/>
@@ -5907,6 +5907,175 @@
           </mc:Fallback>
         </mc:AlternateContent>
       </p:grpSp>
+      <p:cxnSp>
+        <p:nvCxnSpPr>
+          <p:cNvPr id="53" name="Conector recto 52"/>
+          <p:cNvCxnSpPr/>
+          <p:nvPr/>
+        </p:nvCxnSpPr>
+        <p:spPr>
+          <a:xfrm>
+            <a:off x="4607460" y="1081652"/>
+            <a:ext cx="99833" cy="0"/>
+          </a:xfrm>
+          <a:prstGeom prst="line">
+            <a:avLst/>
+          </a:prstGeom>
+          <a:ln w="9525"/>
+        </p:spPr>
+        <p:style>
+          <a:lnRef idx="1">
+            <a:schemeClr val="dk1"/>
+          </a:lnRef>
+          <a:fillRef idx="0">
+            <a:schemeClr val="dk1"/>
+          </a:fillRef>
+          <a:effectRef idx="0">
+            <a:schemeClr val="dk1"/>
+          </a:effectRef>
+          <a:fontRef idx="minor">
+            <a:schemeClr val="tx1"/>
+          </a:fontRef>
+        </p:style>
+      </p:cxnSp>
+      <mc:AlternateContent xmlns:mc="http://schemas.openxmlformats.org/markup-compatibility/2006">
+        <mc:Choice xmlns:a14="http://schemas.microsoft.com/office/drawing/2010/main" Requires="a14">
+          <p:sp>
+            <p:nvSpPr>
+              <p:cNvPr id="2" name="CuadroTexto 1"/>
+              <p:cNvSpPr txBox="1"/>
+              <p:nvPr/>
+            </p:nvSpPr>
+            <p:spPr>
+              <a:xfrm>
+                <a:off x="4366339" y="411715"/>
+                <a:ext cx="283090" cy="246221"/>
+              </a:xfrm>
+              <a:prstGeom prst="rect">
+                <a:avLst/>
+              </a:prstGeom>
+              <a:noFill/>
+            </p:spPr>
+            <p:txBody>
+              <a:bodyPr wrap="none" lIns="0" tIns="0" rIns="0" bIns="0" rtlCol="0">
+                <a:spAutoFit/>
+              </a:bodyPr>
+              <a:lstStyle/>
+              <a:p>
+                <a14:m>
+                  <m:oMathPara xmlns:m="http://schemas.openxmlformats.org/officeDocument/2006/math">
+                    <m:oMathParaPr>
+                      <m:jc m:val="centerGroup"/>
+                    </m:oMathParaPr>
+                    <m:oMath xmlns:m="http://schemas.openxmlformats.org/officeDocument/2006/math">
+                      <m:sSub>
+                        <m:sSubPr>
+                          <m:ctrlPr>
+                            <a:rPr lang="es-ES_tradnl" sz="1600" b="0" i="1" smtClean="0">
+                              <a:latin typeface="Cambria Math" charset="0"/>
+                            </a:rPr>
+                          </m:ctrlPr>
+                        </m:sSubPr>
+                        <m:e>
+                          <m:r>
+                            <a:rPr lang="es-ES_tradnl" sz="1600" b="0" i="1" smtClean="0">
+                              <a:latin typeface="Cambria Math" charset="0"/>
+                            </a:rPr>
+                            <m:t>𝑢</m:t>
+                          </m:r>
+                        </m:e>
+                        <m:sub>
+                          <m:r>
+                            <a:rPr lang="es-ES_tradnl" sz="1600" b="0" i="1" smtClean="0">
+                              <a:latin typeface="Cambria Math" charset="0"/>
+                            </a:rPr>
+                            <m:t>𝐷</m:t>
+                          </m:r>
+                        </m:sub>
+                      </m:sSub>
+                    </m:oMath>
+                  </m:oMathPara>
+                </a14:m>
+                <a:endParaRPr lang="es-ES" sz="1600" dirty="0"/>
+              </a:p>
+            </p:txBody>
+          </p:sp>
+        </mc:Choice>
+        <mc:Fallback>
+          <p:sp>
+            <p:nvSpPr>
+              <p:cNvPr id="2" name="CuadroTexto 1"/>
+              <p:cNvSpPr txBox="1">
+                <a:spLocks noRot="1" noChangeAspect="1" noMove="1" noResize="1" noEditPoints="1" noAdjustHandles="1" noChangeArrowheads="1" noChangeShapeType="1" noTextEdit="1"/>
+              </p:cNvSpPr>
+              <p:nvPr/>
+            </p:nvSpPr>
+            <p:spPr>
+              <a:xfrm>
+                <a:off x="4366339" y="411715"/>
+                <a:ext cx="283090" cy="246221"/>
+              </a:xfrm>
+              <a:prstGeom prst="rect">
+                <a:avLst/>
+              </a:prstGeom>
+              <a:blipFill rotWithShape="0">
+                <a:blip r:embed="rId15"/>
+                <a:stretch>
+                  <a:fillRect l="-10638" r="-4255" b="-15000"/>
+                </a:stretch>
+              </a:blipFill>
+            </p:spPr>
+            <p:txBody>
+              <a:bodyPr/>
+              <a:lstStyle/>
+              <a:p>
+                <a:r>
+                  <a:rPr lang="es-ES">
+                    <a:noFill/>
+                  </a:rPr>
+                  <a:t> </a:t>
+                </a:r>
+              </a:p>
+            </p:txBody>
+          </p:sp>
+        </mc:Fallback>
+      </mc:AlternateContent>
+      <p:cxnSp>
+        <p:nvCxnSpPr>
+          <p:cNvPr id="56" name="Conector recto 55"/>
+          <p:cNvCxnSpPr>
+            <a:stCxn id="2" idx="3"/>
+            <a:endCxn id="42" idx="0"/>
+          </p:cNvCxnSpPr>
+          <p:nvPr/>
+        </p:nvCxnSpPr>
+        <p:spPr>
+          <a:xfrm>
+            <a:off x="4649429" y="534826"/>
+            <a:ext cx="2523" cy="445061"/>
+          </a:xfrm>
+          <a:prstGeom prst="line">
+            <a:avLst/>
+          </a:prstGeom>
+          <a:ln w="12700">
+            <a:tailEnd type="triangle"/>
+          </a:ln>
+        </p:spPr>
+        <p:style>
+          <a:lnRef idx="1">
+            <a:schemeClr val="dk1"/>
+          </a:lnRef>
+          <a:fillRef idx="0">
+            <a:schemeClr val="dk1"/>
+          </a:fillRef>
+          <a:effectRef idx="0">
+            <a:schemeClr val="dk1"/>
+          </a:effectRef>
+          <a:fontRef idx="minor">
+            <a:schemeClr val="tx1"/>
+          </a:fontRef>
+        </p:style>
+      </p:cxnSp>
     </p:spTree>
     <p:extLst>
       <p:ext uri="{BB962C8B-B14F-4D97-AF65-F5344CB8AC3E}">
